--- a/18-01-2023 PPT.pptx
+++ b/18-01-2023 PPT.pptx
@@ -245,7 +245,7 @@
           <a:p>
             <a:fld id="{1CA5457B-CDAE-4DEB-AEC8-C82DE2312E37}" type="datetimeFigureOut">
               <a:rPr lang="en-US" smtClean="0"/>
-              <a:t>1/18/2023</a:t>
+              <a:t>1/19/2023</a:t>
             </a:fld>
             <a:endParaRPr lang="en-US" dirty="0"/>
           </a:p>
@@ -323,7 +323,7 @@
           <a:p>
             <a:fld id="{0831430A-4AA4-45C8-AC23-CD6B61C41A4C}" type="slidenum">
               <a:rPr lang="en-US" smtClean="0"/>
-              <a:t>‹#›</a:t>
+              <a:t>‹Nr.›</a:t>
             </a:fld>
             <a:endParaRPr lang="en-US" dirty="0"/>
           </a:p>
@@ -422,7 +422,7 @@
           <a:p>
             <a:fld id="{090B78EA-28CE-41D8-9043-90E391E5F567}" type="datetimeFigureOut">
               <a:rPr lang="en-US" noProof="0" smtClean="0"/>
-              <a:t>1/18/2023</a:t>
+              <a:t>1/19/2023</a:t>
             </a:fld>
             <a:endParaRPr lang="en-US" noProof="0" dirty="0"/>
           </a:p>
@@ -580,7 +580,7 @@
           <a:p>
             <a:fld id="{1734D747-9380-41EE-9946-EC9EC0CA5D1E}" type="slidenum">
               <a:rPr lang="en-US" noProof="0" smtClean="0"/>
-              <a:t>‹#›</a:t>
+              <a:t>‹Nr.›</a:t>
             </a:fld>
             <a:endParaRPr lang="en-US" noProof="0" dirty="0"/>
           </a:p>
@@ -3217,7 +3217,7 @@
             <a:fld id="{C263D6C4-4840-40CC-AC84-17E24B3B7BDE}" type="slidenum">
               <a:rPr lang="en-US" noProof="0" smtClean="0"/>
               <a:pPr/>
-              <a:t>‹#›</a:t>
+              <a:t>‹Nr.›</a:t>
             </a:fld>
             <a:endParaRPr lang="en-US" noProof="0" dirty="0"/>
           </a:p>
@@ -5694,7 +5694,7 @@
             <a:fld id="{C263D6C4-4840-40CC-AC84-17E24B3B7BDE}" type="slidenum">
               <a:rPr lang="en-US" noProof="0" smtClean="0"/>
               <a:pPr/>
-              <a:t>‹#›</a:t>
+              <a:t>‹Nr.›</a:t>
             </a:fld>
             <a:endParaRPr lang="en-US" noProof="0" dirty="0"/>
           </a:p>
@@ -6999,7 +6999,7 @@
             <a:fld id="{C263D6C4-4840-40CC-AC84-17E24B3B7BDE}" type="slidenum">
               <a:rPr lang="en-US" noProof="0" smtClean="0"/>
               <a:pPr/>
-              <a:t>‹#›</a:t>
+              <a:t>‹Nr.›</a:t>
             </a:fld>
             <a:endParaRPr lang="en-US" noProof="0" dirty="0"/>
           </a:p>
@@ -8569,7 +8569,7 @@
             <a:fld id="{C263D6C4-4840-40CC-AC84-17E24B3B7BDE}" type="slidenum">
               <a:rPr lang="en-US" noProof="0" smtClean="0"/>
               <a:pPr/>
-              <a:t>‹#›</a:t>
+              <a:t>‹Nr.›</a:t>
             </a:fld>
             <a:endParaRPr lang="en-US" noProof="0" dirty="0"/>
           </a:p>
@@ -9809,7 +9809,7 @@
             <a:fld id="{C263D6C4-4840-40CC-AC84-17E24B3B7BDE}" type="slidenum">
               <a:rPr lang="en-US" noProof="0" smtClean="0"/>
               <a:pPr/>
-              <a:t>‹#›</a:t>
+              <a:t>‹Nr.›</a:t>
             </a:fld>
             <a:endParaRPr lang="en-US" noProof="0" dirty="0"/>
           </a:p>
@@ -11157,7 +11157,7 @@
             <a:fld id="{C263D6C4-4840-40CC-AC84-17E24B3B7BDE}" type="slidenum">
               <a:rPr lang="en-US" noProof="0" smtClean="0"/>
               <a:pPr/>
-              <a:t>‹#›</a:t>
+              <a:t>‹Nr.›</a:t>
             </a:fld>
             <a:endParaRPr lang="en-US" noProof="0" dirty="0"/>
           </a:p>
@@ -12349,7 +12349,7 @@
             <a:fld id="{C263D6C4-4840-40CC-AC84-17E24B3B7BDE}" type="slidenum">
               <a:rPr lang="en-US" noProof="0" smtClean="0"/>
               <a:pPr/>
-              <a:t>‹#›</a:t>
+              <a:t>‹Nr.›</a:t>
             </a:fld>
             <a:endParaRPr lang="en-US" noProof="0" dirty="0"/>
           </a:p>
@@ -15507,7 +15507,7 @@
             <a:fld id="{C263D6C4-4840-40CC-AC84-17E24B3B7BDE}" type="slidenum">
               <a:rPr lang="en-US" noProof="0" smtClean="0"/>
               <a:pPr/>
-              <a:t>‹#›</a:t>
+              <a:t>‹Nr.›</a:t>
             </a:fld>
             <a:endParaRPr lang="en-US" noProof="0" dirty="0"/>
           </a:p>
@@ -16836,7 +16836,7 @@
             <a:fld id="{C263D6C4-4840-40CC-AC84-17E24B3B7BDE}" type="slidenum">
               <a:rPr lang="en-US" noProof="0" smtClean="0"/>
               <a:pPr/>
-              <a:t>‹#›</a:t>
+              <a:t>‹Nr.›</a:t>
             </a:fld>
             <a:endParaRPr lang="en-US" noProof="0" dirty="0"/>
           </a:p>
@@ -17564,7 +17564,7 @@
             <a:fld id="{C263D6C4-4840-40CC-AC84-17E24B3B7BDE}" type="slidenum">
               <a:rPr lang="en-US" noProof="0" smtClean="0"/>
               <a:pPr/>
-              <a:t>‹#›</a:t>
+              <a:t>‹Nr.›</a:t>
             </a:fld>
             <a:endParaRPr lang="en-US" noProof="0" dirty="0"/>
           </a:p>
@@ -18015,7 +18015,7 @@
             <a:fld id="{C263D6C4-4840-40CC-AC84-17E24B3B7BDE}" type="slidenum">
               <a:rPr lang="en-US" noProof="0" smtClean="0"/>
               <a:pPr/>
-              <a:t>‹#›</a:t>
+              <a:t>‹Nr.›</a:t>
             </a:fld>
             <a:endParaRPr lang="en-US" noProof="0" dirty="0"/>
           </a:p>
@@ -19547,7 +19547,7 @@
             <a:fld id="{C263D6C4-4840-40CC-AC84-17E24B3B7BDE}" type="slidenum">
               <a:rPr lang="en-US" noProof="0" smtClean="0"/>
               <a:pPr/>
-              <a:t>‹#›</a:t>
+              <a:t>‹Nr.›</a:t>
             </a:fld>
             <a:endParaRPr lang="en-US" noProof="0" dirty="0"/>
           </a:p>
@@ -20747,7 +20747,7 @@
             <a:fld id="{C263D6C4-4840-40CC-AC84-17E24B3B7BDE}" type="slidenum">
               <a:rPr lang="en-US" noProof="0" smtClean="0"/>
               <a:pPr/>
-              <a:t>‹#›</a:t>
+              <a:t>‹Nr.›</a:t>
             </a:fld>
             <a:endParaRPr lang="en-US" noProof="0" dirty="0"/>
           </a:p>
@@ -21992,7 +21992,7 @@
             <a:fld id="{C263D6C4-4840-40CC-AC84-17E24B3B7BDE}" type="slidenum">
               <a:rPr lang="en-US" noProof="0" smtClean="0"/>
               <a:pPr/>
-              <a:t>‹#›</a:t>
+              <a:t>‹Nr.›</a:t>
             </a:fld>
             <a:endParaRPr lang="en-US" noProof="0" dirty="0"/>
           </a:p>
@@ -23291,7 +23291,7 @@
             <a:fld id="{C263D6C4-4840-40CC-AC84-17E24B3B7BDE}" type="slidenum">
               <a:rPr lang="en-US" noProof="0" smtClean="0"/>
               <a:pPr/>
-              <a:t>‹#›</a:t>
+              <a:t>‹Nr.›</a:t>
             </a:fld>
             <a:endParaRPr lang="en-US" noProof="0" dirty="0"/>
           </a:p>
@@ -23838,7 +23838,7 @@
           <a:p>
             <a:fld id="{C263D6C4-4840-40CC-AC84-17E24B3B7BDE}" type="slidenum">
               <a:rPr lang="en-US" noProof="0" smtClean="0"/>
-              <a:t>‹#›</a:t>
+              <a:t>‹Nr.›</a:t>
             </a:fld>
             <a:endParaRPr lang="en-US" noProof="0" dirty="0"/>
           </a:p>
@@ -25096,7 +25096,7 @@
             <a:fld id="{C263D6C4-4840-40CC-AC84-17E24B3B7BDE}" type="slidenum">
               <a:rPr lang="en-US" noProof="0" smtClean="0"/>
               <a:pPr/>
-              <a:t>‹#›</a:t>
+              <a:t>‹Nr.›</a:t>
             </a:fld>
             <a:endParaRPr lang="en-US" noProof="0" dirty="0"/>
           </a:p>
@@ -25923,6 +25923,10 @@
           </a:bodyPr>
           <a:lstStyle/>
           <a:p>
+            <a:pPr marL="342900" indent="-342900">
+              <a:buFont typeface="Wingdings" panose="05000000000000000000" pitchFamily="2" charset="2"/>
+              <a:buChar char="v"/>
+            </a:pPr>
             <a:r>
               <a:rPr lang="en-IN" sz="2000" b="1" dirty="0" smtClean="0">
                 <a:solidFill>
@@ -25938,7 +25942,7 @@
             </a:endParaRPr>
           </a:p>
           <a:p>
-            <a:pPr marL="457200" indent="-457200">
+            <a:pPr marL="914400" lvl="1" indent="-457200">
               <a:buAutoNum type="arabicPeriod"/>
             </a:pPr>
             <a:r>
@@ -25951,7 +25955,7 @@
             </a:r>
           </a:p>
           <a:p>
-            <a:pPr marL="342900" indent="-342900">
+            <a:pPr marL="800100" lvl="1" indent="-342900">
               <a:buAutoNum type="arabicPeriod"/>
             </a:pPr>
             <a:r>
@@ -25972,7 +25976,7 @@
             </a:r>
           </a:p>
           <a:p>
-            <a:pPr marL="342900" indent="-342900">
+            <a:pPr marL="800100" lvl="1" indent="-342900">
               <a:buAutoNum type="arabicPeriod"/>
             </a:pPr>
             <a:r>
@@ -26003,6 +26007,10 @@
             </a:endParaRPr>
           </a:p>
           <a:p>
+            <a:pPr marL="285750" indent="-285750">
+              <a:buFont typeface="Wingdings" panose="05000000000000000000" pitchFamily="2" charset="2"/>
+              <a:buChar char="v"/>
+            </a:pPr>
             <a:r>
               <a:rPr lang="en-IN" dirty="0" smtClean="0">
                 <a:solidFill>
@@ -26013,7 +26021,7 @@
             </a:r>
           </a:p>
           <a:p>
-            <a:pPr marL="342900" indent="-342900">
+            <a:pPr marL="800100" lvl="1" indent="-342900">
               <a:buAutoNum type="arabicPeriod"/>
             </a:pPr>
             <a:r>
@@ -26026,7 +26034,7 @@
             </a:r>
           </a:p>
           <a:p>
-            <a:pPr marL="342900" indent="-342900">
+            <a:pPr marL="800100" lvl="1" indent="-342900">
               <a:buAutoNum type="arabicPeriod"/>
             </a:pPr>
             <a:r>
@@ -26039,7 +26047,7 @@
             </a:r>
           </a:p>
           <a:p>
-            <a:pPr marL="342900" indent="-342900">
+            <a:pPr marL="800100" lvl="1" indent="-342900">
               <a:buAutoNum type="arabicPeriod"/>
             </a:pPr>
             <a:r>
@@ -26052,7 +26060,7 @@
             </a:r>
           </a:p>
           <a:p>
-            <a:pPr marL="342900" indent="-342900">
+            <a:pPr marL="800100" lvl="1" indent="-342900">
               <a:buAutoNum type="arabicPeriod"/>
             </a:pPr>
             <a:r>
@@ -27306,7 +27314,7 @@
         </p:nvSpPr>
         <p:spPr>
           <a:xfrm>
-            <a:off x="542654" y="452265"/>
+            <a:off x="542654" y="-73252"/>
             <a:ext cx="7781544" cy="859055"/>
           </a:xfrm>
         </p:spPr>
@@ -27336,8 +27344,8 @@
         </p:nvSpPr>
         <p:spPr>
           <a:xfrm>
-            <a:off x="542653" y="1834059"/>
-            <a:ext cx="11173507" cy="1540665"/>
+            <a:off x="1" y="1024762"/>
+            <a:ext cx="12097406" cy="1540665"/>
           </a:xfrm>
         </p:spPr>
         <p:txBody>
@@ -27346,14 +27354,29 @@
           </a:bodyPr>
           <a:lstStyle/>
           <a:p>
-            <a:pPr algn="ctr"/>
             <a:r>
               <a:rPr lang="en-IN" sz="1800" b="1" dirty="0" smtClean="0">
                 <a:solidFill>
                   <a:srgbClr val="FFFF00"/>
                 </a:solidFill>
               </a:rPr>
-              <a:t>Total_Time = ( ( Micro_steps / HSPD ) x ∆ Gear_size ) + setteling_Time(sec)</a:t>
+              <a:t>Total_Time = ( ( Micro_steps / </a:t>
+            </a:r>
+            <a:r>
+              <a:rPr lang="en-IN" sz="1800" b="1" dirty="0" smtClean="0">
+                <a:solidFill>
+                  <a:srgbClr val="FFFF00"/>
+                </a:solidFill>
+              </a:rPr>
+              <a:t>(Pulse/sec) </a:t>
+            </a:r>
+            <a:r>
+              <a:rPr lang="en-IN" sz="1800" b="1" dirty="0" smtClean="0">
+                <a:solidFill>
+                  <a:srgbClr val="FFFF00"/>
+                </a:solidFill>
+              </a:rPr>
+              <a:t>) x ∆ Gear_size ) + setteling_Time(sec)</a:t>
             </a:r>
           </a:p>
           <a:p>
@@ -27448,7 +27471,7 @@
         </p:nvSpPr>
         <p:spPr>
           <a:xfrm>
-            <a:off x="910790" y="4466523"/>
+            <a:off x="910790" y="3793859"/>
             <a:ext cx="10042275" cy="1540665"/>
           </a:xfrm>
           <a:prstGeom prst="rect">
@@ -27718,7 +27741,7 @@
         </p:nvSpPr>
         <p:spPr>
           <a:xfrm>
-            <a:off x="542654" y="3666630"/>
+            <a:off x="542654" y="2993969"/>
             <a:ext cx="1553630" cy="461665"/>
           </a:xfrm>
           <a:prstGeom prst="rect">
@@ -28704,6 +28727,23 @@
 </file>
 
 <file path=customXml/item1.xml><?xml version="1.0" encoding="utf-8"?>
+<p:properties xmlns:p="http://schemas.microsoft.com/office/2006/metadata/properties" xmlns:xsi="http://www.w3.org/2001/XMLSchema-instance" xmlns:pc="http://schemas.microsoft.com/office/infopath/2007/PartnerControls">
+  <documentManagement>
+    <MediaServiceKeyPoints xmlns="71af3243-3dd4-4a8d-8c0d-dd76da1f02a5" xsi:nil="true"/>
+  </documentManagement>
+</p:properties>
+</file>
+
+<file path=customXml/item2.xml><?xml version="1.0" encoding="utf-8"?>
+<?mso-contentType ?>
+<FormTemplates xmlns="http://schemas.microsoft.com/sharepoint/v3/contenttype/forms">
+  <Display>DocumentLibraryForm</Display>
+  <Edit>DocumentLibraryForm</Edit>
+  <New>DocumentLibraryForm</New>
+</FormTemplates>
+</file>
+
+<file path=customXml/item3.xml><?xml version="1.0" encoding="utf-8"?>
 <ct:contentTypeSchema xmlns:ct="http://schemas.microsoft.com/office/2006/metadata/contentType" xmlns:ma="http://schemas.microsoft.com/office/2006/metadata/properties/metaAttributes" ct:_="" ma:_="" ma:contentTypeName="Document" ma:contentTypeID="0x01010079F111ED35F8CC479449609E8A0923A6" ma:contentTypeVersion="11" ma:contentTypeDescription="Create a new document." ma:contentTypeScope="" ma:versionID="96291512c1ee715ab617f4c07df79fc1">
   <xsd:schema xmlns:xsd="http://www.w3.org/2001/XMLSchema" xmlns:xs="http://www.w3.org/2001/XMLSchema" xmlns:p="http://schemas.microsoft.com/office/2006/metadata/properties" xmlns:ns2="71af3243-3dd4-4a8d-8c0d-dd76da1f02a5" xmlns:ns3="16c05727-aa75-4e4a-9b5f-8a80a1165891" targetNamespace="http://schemas.microsoft.com/office/2006/metadata/properties" ma:root="true" ma:fieldsID="8256c27c40ca5c40ce1cf6c44f0205df" ns2:_="" ns3:_="">
     <xsd:import namespace="71af3243-3dd4-4a8d-8c0d-dd76da1f02a5"/>
@@ -28914,24 +28954,32 @@
 </ct:contentTypeSchema>
 </file>
 
-<file path=customXml/item2.xml><?xml version="1.0" encoding="utf-8"?>
-<?mso-contentType ?>
-<FormTemplates xmlns="http://schemas.microsoft.com/sharepoint/v3/contenttype/forms">
-  <Display>DocumentLibraryForm</Display>
-  <Edit>DocumentLibraryForm</Edit>
-  <New>DocumentLibraryForm</New>
-</FormTemplates>
+<file path=customXml/itemProps1.xml><?xml version="1.0" encoding="utf-8"?>
+<ds:datastoreItem xmlns:ds="http://schemas.openxmlformats.org/officeDocument/2006/customXml" ds:itemID="{F5757914-1161-4661-9696-421FD6935CDD}">
+  <ds:schemaRefs>
+    <ds:schemaRef ds:uri="http://schemas.microsoft.com/office/2006/documentManagement/types"/>
+    <ds:schemaRef ds:uri="71af3243-3dd4-4a8d-8c0d-dd76da1f02a5"/>
+    <ds:schemaRef ds:uri="http://schemas.microsoft.com/office/infopath/2007/PartnerControls"/>
+    <ds:schemaRef ds:uri="http://purl.org/dc/dcmitype/"/>
+    <ds:schemaRef ds:uri="http://purl.org/dc/terms/"/>
+    <ds:schemaRef ds:uri="http://purl.org/dc/elements/1.1/"/>
+    <ds:schemaRef ds:uri="http://schemas.openxmlformats.org/package/2006/metadata/core-properties"/>
+    <ds:schemaRef ds:uri="16c05727-aa75-4e4a-9b5f-8a80a1165891"/>
+    <ds:schemaRef ds:uri="http://schemas.microsoft.com/office/2006/metadata/properties"/>
+    <ds:schemaRef ds:uri="http://www.w3.org/XML/1998/namespace"/>
+  </ds:schemaRefs>
+</ds:datastoreItem>
 </file>
 
-<file path=customXml/item3.xml><?xml version="1.0" encoding="utf-8"?>
-<p:properties xmlns:p="http://schemas.microsoft.com/office/2006/metadata/properties" xmlns:xsi="http://www.w3.org/2001/XMLSchema-instance" xmlns:pc="http://schemas.microsoft.com/office/infopath/2007/PartnerControls">
-  <documentManagement>
-    <MediaServiceKeyPoints xmlns="71af3243-3dd4-4a8d-8c0d-dd76da1f02a5" xsi:nil="true"/>
-  </documentManagement>
-</p:properties>
+<file path=customXml/itemProps2.xml><?xml version="1.0" encoding="utf-8"?>
+<ds:datastoreItem xmlns:ds="http://schemas.openxmlformats.org/officeDocument/2006/customXml" ds:itemID="{5B26E0C9-B2AA-42E6-97B6-E1B7D9EAF129}">
+  <ds:schemaRefs>
+    <ds:schemaRef ds:uri="http://schemas.microsoft.com/sharepoint/v3/contenttype/forms"/>
+  </ds:schemaRefs>
+</ds:datastoreItem>
 </file>
 
-<file path=customXml/itemProps1.xml><?xml version="1.0" encoding="utf-8"?>
+<file path=customXml/itemProps3.xml><?xml version="1.0" encoding="utf-8"?>
 <ds:datastoreItem xmlns:ds="http://schemas.openxmlformats.org/officeDocument/2006/customXml" ds:itemID="{4C103400-4A22-4E35-B588-4C4D42638959}">
   <ds:schemaRefs>
     <ds:schemaRef ds:uri="http://schemas.microsoft.com/office/2006/metadata/contentType"/>
@@ -28948,29 +28996,4 @@
     <ds:schemaRef ds:uri="http://schemas.microsoft.com/internal/obd"/>
   </ds:schemaRefs>
 </ds:datastoreItem>
-</file>
-
-<file path=customXml/itemProps2.xml><?xml version="1.0" encoding="utf-8"?>
-<ds:datastoreItem xmlns:ds="http://schemas.openxmlformats.org/officeDocument/2006/customXml" ds:itemID="{5B26E0C9-B2AA-42E6-97B6-E1B7D9EAF129}">
-  <ds:schemaRefs>
-    <ds:schemaRef ds:uri="http://schemas.microsoft.com/sharepoint/v3/contenttype/forms"/>
-  </ds:schemaRefs>
-</ds:datastoreItem>
-</file>
-
-<file path=customXml/itemProps3.xml><?xml version="1.0" encoding="utf-8"?>
-<ds:datastoreItem xmlns:ds="http://schemas.openxmlformats.org/officeDocument/2006/customXml" ds:itemID="{F5757914-1161-4661-9696-421FD6935CDD}">
-  <ds:schemaRefs>
-    <ds:schemaRef ds:uri="http://schemas.microsoft.com/office/2006/documentManagement/types"/>
-    <ds:schemaRef ds:uri="71af3243-3dd4-4a8d-8c0d-dd76da1f02a5"/>
-    <ds:schemaRef ds:uri="http://schemas.microsoft.com/office/infopath/2007/PartnerControls"/>
-    <ds:schemaRef ds:uri="http://purl.org/dc/dcmitype/"/>
-    <ds:schemaRef ds:uri="http://purl.org/dc/terms/"/>
-    <ds:schemaRef ds:uri="http://purl.org/dc/elements/1.1/"/>
-    <ds:schemaRef ds:uri="http://schemas.openxmlformats.org/package/2006/metadata/core-properties"/>
-    <ds:schemaRef ds:uri="16c05727-aa75-4e4a-9b5f-8a80a1165891"/>
-    <ds:schemaRef ds:uri="http://schemas.microsoft.com/office/2006/metadata/properties"/>
-    <ds:schemaRef ds:uri="http://www.w3.org/XML/1998/namespace"/>
-  </ds:schemaRefs>
-</ds:datastoreItem>
 </file>